--- a/docs/diagrams/ArchitectureDiagram.pptx
+++ b/docs/diagrams/ArchitectureDiagram.pptx
@@ -107,6 +107,22 @@
       </a:defRPr>
     </a:lvl9pPr>
   </p:defaultTextStyle>
+  <p:extLst>
+    <p:ext uri="{EFAFB233-063F-42B5-8137-9DF3F51BA10A}">
+      <p15:sldGuideLst xmlns:p15="http://schemas.microsoft.com/office/powerpoint/2012/main">
+        <p15:guide id="1" orient="horz" pos="1488">
+          <p15:clr>
+            <a:srgbClr val="A4A3A4"/>
+          </p15:clr>
+        </p15:guide>
+        <p15:guide id="2" pos="2880">
+          <p15:clr>
+            <a:srgbClr val="A4A3A4"/>
+          </p15:clr>
+        </p15:guide>
+      </p15:sldGuideLst>
+    </p:ext>
+  </p:extLst>
 </p:presentation>
 </file>
 
@@ -192,7 +208,7 @@
           <a:p>
             <a:fld id="{F5CC4B3F-88C1-4FFA-B1B6-F41C21DC6924}" type="datetimeFigureOut">
               <a:rPr lang="en-US" smtClean="0"/>
-              <a:t>10/16/2016</a:t>
+              <a:t>11/6/2018</a:t>
             </a:fld>
             <a:endParaRPr lang="en-US"/>
           </a:p>
@@ -641,7 +657,7 @@
           <a:p>
             <a:fld id="{78C97017-6FC3-485B-9764-EAC9E56C1D49}" type="datetimeFigureOut">
               <a:rPr lang="en-US" smtClean="0"/>
-              <a:t>10/16/2016</a:t>
+              <a:t>11/6/2018</a:t>
             </a:fld>
             <a:endParaRPr lang="en-US"/>
           </a:p>
@@ -811,7 +827,7 @@
           <a:p>
             <a:fld id="{78C97017-6FC3-485B-9764-EAC9E56C1D49}" type="datetimeFigureOut">
               <a:rPr lang="en-US" smtClean="0"/>
-              <a:t>10/16/2016</a:t>
+              <a:t>11/6/2018</a:t>
             </a:fld>
             <a:endParaRPr lang="en-US"/>
           </a:p>
@@ -991,7 +1007,7 @@
           <a:p>
             <a:fld id="{78C97017-6FC3-485B-9764-EAC9E56C1D49}" type="datetimeFigureOut">
               <a:rPr lang="en-US" smtClean="0"/>
-              <a:t>10/16/2016</a:t>
+              <a:t>11/6/2018</a:t>
             </a:fld>
             <a:endParaRPr lang="en-US"/>
           </a:p>
@@ -1161,7 +1177,7 @@
           <a:p>
             <a:fld id="{78C97017-6FC3-485B-9764-EAC9E56C1D49}" type="datetimeFigureOut">
               <a:rPr lang="en-US" smtClean="0"/>
-              <a:t>10/16/2016</a:t>
+              <a:t>11/6/2018</a:t>
             </a:fld>
             <a:endParaRPr lang="en-US"/>
           </a:p>
@@ -1407,7 +1423,7 @@
           <a:p>
             <a:fld id="{78C97017-6FC3-485B-9764-EAC9E56C1D49}" type="datetimeFigureOut">
               <a:rPr lang="en-US" smtClean="0"/>
-              <a:t>10/16/2016</a:t>
+              <a:t>11/6/2018</a:t>
             </a:fld>
             <a:endParaRPr lang="en-US"/>
           </a:p>
@@ -1695,7 +1711,7 @@
           <a:p>
             <a:fld id="{78C97017-6FC3-485B-9764-EAC9E56C1D49}" type="datetimeFigureOut">
               <a:rPr lang="en-US" smtClean="0"/>
-              <a:t>10/16/2016</a:t>
+              <a:t>11/6/2018</a:t>
             </a:fld>
             <a:endParaRPr lang="en-US"/>
           </a:p>
@@ -2117,7 +2133,7 @@
           <a:p>
             <a:fld id="{78C97017-6FC3-485B-9764-EAC9E56C1D49}" type="datetimeFigureOut">
               <a:rPr lang="en-US" smtClean="0"/>
-              <a:t>10/16/2016</a:t>
+              <a:t>11/6/2018</a:t>
             </a:fld>
             <a:endParaRPr lang="en-US"/>
           </a:p>
@@ -2235,7 +2251,7 @@
           <a:p>
             <a:fld id="{78C97017-6FC3-485B-9764-EAC9E56C1D49}" type="datetimeFigureOut">
               <a:rPr lang="en-US" smtClean="0"/>
-              <a:t>10/16/2016</a:t>
+              <a:t>11/6/2018</a:t>
             </a:fld>
             <a:endParaRPr lang="en-US"/>
           </a:p>
@@ -2330,7 +2346,7 @@
           <a:p>
             <a:fld id="{78C97017-6FC3-485B-9764-EAC9E56C1D49}" type="datetimeFigureOut">
               <a:rPr lang="en-US" smtClean="0"/>
-              <a:t>10/16/2016</a:t>
+              <a:t>11/6/2018</a:t>
             </a:fld>
             <a:endParaRPr lang="en-US"/>
           </a:p>
@@ -2607,7 +2623,7 @@
           <a:p>
             <a:fld id="{78C97017-6FC3-485B-9764-EAC9E56C1D49}" type="datetimeFigureOut">
               <a:rPr lang="en-US" smtClean="0"/>
-              <a:t>10/16/2016</a:t>
+              <a:t>11/6/2018</a:t>
             </a:fld>
             <a:endParaRPr lang="en-US"/>
           </a:p>
@@ -2860,7 +2876,7 @@
           <a:p>
             <a:fld id="{78C97017-6FC3-485B-9764-EAC9E56C1D49}" type="datetimeFigureOut">
               <a:rPr lang="en-US" smtClean="0"/>
-              <a:t>10/16/2016</a:t>
+              <a:t>11/6/2018</a:t>
             </a:fld>
             <a:endParaRPr lang="en-US"/>
           </a:p>
@@ -3073,7 +3089,7 @@
           <a:p>
             <a:fld id="{78C97017-6FC3-485B-9764-EAC9E56C1D49}" type="datetimeFigureOut">
               <a:rPr lang="en-US" smtClean="0"/>
-              <a:t>10/16/2016</a:t>
+              <a:t>11/6/2018</a:t>
             </a:fld>
             <a:endParaRPr lang="en-US"/>
           </a:p>
@@ -4756,6 +4772,105 @@
                 <a:lumMod val="75000"/>
               </a:schemeClr>
             </a:solidFill>
+          </a:ln>
+        </p:spPr>
+        <p:style>
+          <a:lnRef idx="1">
+            <a:schemeClr val="accent1"/>
+          </a:lnRef>
+          <a:fillRef idx="0">
+            <a:schemeClr val="accent1"/>
+          </a:fillRef>
+          <a:effectRef idx="0">
+            <a:schemeClr val="accent1"/>
+          </a:effectRef>
+          <a:fontRef idx="minor">
+            <a:schemeClr val="tx1"/>
+          </a:fontRef>
+        </p:style>
+      </p:cxnSp>
+      <p:sp>
+        <p:nvSpPr>
+          <p:cNvPr id="42" name="Cloud 41"/>
+          <p:cNvSpPr/>
+          <p:nvPr/>
+        </p:nvSpPr>
+        <p:spPr>
+          <a:xfrm>
+            <a:off x="6251332" y="1469732"/>
+            <a:ext cx="987668" cy="555331"/>
+          </a:xfrm>
+          <a:prstGeom prst="cloud">
+            <a:avLst/>
+          </a:prstGeom>
+          <a:solidFill>
+            <a:schemeClr val="bg1"/>
+          </a:solidFill>
+          <a:ln>
+            <a:solidFill>
+              <a:schemeClr val="tx1"/>
+            </a:solidFill>
+          </a:ln>
+        </p:spPr>
+        <p:style>
+          <a:lnRef idx="2">
+            <a:schemeClr val="accent1">
+              <a:shade val="50000"/>
+            </a:schemeClr>
+          </a:lnRef>
+          <a:fillRef idx="1">
+            <a:schemeClr val="accent1"/>
+          </a:fillRef>
+          <a:effectRef idx="0">
+            <a:schemeClr val="accent1"/>
+          </a:effectRef>
+          <a:fontRef idx="minor">
+            <a:schemeClr val="lt1"/>
+          </a:fontRef>
+        </p:style>
+        <p:txBody>
+          <a:bodyPr rtlCol="0" anchor="ctr"/>
+          <a:lstStyle/>
+          <a:p>
+            <a:pPr algn="ctr"/>
+            <a:r>
+              <a:rPr lang="en-US" sz="1400" dirty="0" smtClean="0">
+                <a:solidFill>
+                  <a:schemeClr val="tx1"/>
+                </a:solidFill>
+              </a:rPr>
+              <a:t>Cloud</a:t>
+            </a:r>
+            <a:endParaRPr lang="en-US" sz="1400" dirty="0">
+              <a:solidFill>
+                <a:schemeClr val="tx1"/>
+              </a:solidFill>
+            </a:endParaRPr>
+          </a:p>
+        </p:txBody>
+      </p:sp>
+      <p:cxnSp>
+        <p:nvCxnSpPr>
+          <p:cNvPr id="43" name="Elbow Connector 42"/>
+          <p:cNvCxnSpPr>
+            <a:endCxn id="42" idx="2"/>
+          </p:cNvCxnSpPr>
+          <p:nvPr/>
+        </p:nvCxnSpPr>
+        <p:spPr>
+          <a:xfrm rot="5400000" flipH="1" flipV="1">
+            <a:off x="5829507" y="1788223"/>
+            <a:ext cx="465714" cy="384064"/>
+          </a:xfrm>
+          <a:prstGeom prst="bentConnector2">
+            <a:avLst/>
+          </a:prstGeom>
+          <a:ln w="28575">
+            <a:solidFill>
+              <a:srgbClr val="E46C0A"/>
+            </a:solidFill>
+            <a:prstDash val="sysDot"/>
+            <a:tailEnd type="arrow"/>
           </a:ln>
         </p:spPr>
         <p:style>
